--- a/2019/10月.pptx
+++ b/2019/10月.pptx
@@ -109,6 +109,22 @@
       </a:defRPr>
     </a:lvl9pPr>
   </p:defaultTextStyle>
+  <p:extLst>
+    <p:ext uri="{EFAFB233-063F-42B5-8137-9DF3F51BA10A}">
+      <p15:sldGuideLst xmlns:p15="http://schemas.microsoft.com/office/powerpoint/2012/main">
+        <p15:guide id="1" orient="horz" pos="1620">
+          <p15:clr>
+            <a:srgbClr val="A4A3A4"/>
+          </p15:clr>
+        </p15:guide>
+        <p15:guide id="2" pos="2880">
+          <p15:clr>
+            <a:srgbClr val="A4A3A4"/>
+          </p15:clr>
+        </p15:guide>
+      </p15:sldGuideLst>
+    </p:ext>
+  </p:extLst>
 </p:presentation>
 </file>
 
@@ -294,7 +310,7 @@
             <a:fld id="{60E4E40C-4DE3-43D1-94F4-B6FCDADA3F6F}" type="datetimeFigureOut">
               <a:rPr lang="en-US" smtClean="0"/>
               <a:pPr/>
-              <a:t>10/5/2019</a:t>
+              <a:t>10/13/2019</a:t>
             </a:fld>
             <a:endParaRPr lang="en-US"/>
           </a:p>
@@ -461,7 +477,7 @@
             <a:fld id="{60E4E40C-4DE3-43D1-94F4-B6FCDADA3F6F}" type="datetimeFigureOut">
               <a:rPr lang="en-US" smtClean="0"/>
               <a:pPr/>
-              <a:t>10/5/2019</a:t>
+              <a:t>10/13/2019</a:t>
             </a:fld>
             <a:endParaRPr lang="en-US"/>
           </a:p>
@@ -638,7 +654,7 @@
             <a:fld id="{60E4E40C-4DE3-43D1-94F4-B6FCDADA3F6F}" type="datetimeFigureOut">
               <a:rPr lang="en-US" smtClean="0"/>
               <a:pPr/>
-              <a:t>10/5/2019</a:t>
+              <a:t>10/13/2019</a:t>
             </a:fld>
             <a:endParaRPr lang="en-US"/>
           </a:p>
@@ -805,7 +821,7 @@
             <a:fld id="{60E4E40C-4DE3-43D1-94F4-B6FCDADA3F6F}" type="datetimeFigureOut">
               <a:rPr lang="en-US" smtClean="0"/>
               <a:pPr/>
-              <a:t>10/5/2019</a:t>
+              <a:t>10/13/2019</a:t>
             </a:fld>
             <a:endParaRPr lang="en-US"/>
           </a:p>
@@ -1048,7 +1064,7 @@
             <a:fld id="{60E4E40C-4DE3-43D1-94F4-B6FCDADA3F6F}" type="datetimeFigureOut">
               <a:rPr lang="en-US" smtClean="0"/>
               <a:pPr/>
-              <a:t>10/5/2019</a:t>
+              <a:t>10/13/2019</a:t>
             </a:fld>
             <a:endParaRPr lang="en-US"/>
           </a:p>
@@ -1333,7 +1349,7 @@
             <a:fld id="{60E4E40C-4DE3-43D1-94F4-B6FCDADA3F6F}" type="datetimeFigureOut">
               <a:rPr lang="en-US" smtClean="0"/>
               <a:pPr/>
-              <a:t>10/5/2019</a:t>
+              <a:t>10/13/2019</a:t>
             </a:fld>
             <a:endParaRPr lang="en-US"/>
           </a:p>
@@ -1752,7 +1768,7 @@
             <a:fld id="{60E4E40C-4DE3-43D1-94F4-B6FCDADA3F6F}" type="datetimeFigureOut">
               <a:rPr lang="en-US" smtClean="0"/>
               <a:pPr/>
-              <a:t>10/5/2019</a:t>
+              <a:t>10/13/2019</a:t>
             </a:fld>
             <a:endParaRPr lang="en-US"/>
           </a:p>
@@ -1867,7 +1883,7 @@
             <a:fld id="{60E4E40C-4DE3-43D1-94F4-B6FCDADA3F6F}" type="datetimeFigureOut">
               <a:rPr lang="en-US" smtClean="0"/>
               <a:pPr/>
-              <a:t>10/5/2019</a:t>
+              <a:t>10/13/2019</a:t>
             </a:fld>
             <a:endParaRPr lang="en-US"/>
           </a:p>
@@ -1959,7 +1975,7 @@
             <a:fld id="{60E4E40C-4DE3-43D1-94F4-B6FCDADA3F6F}" type="datetimeFigureOut">
               <a:rPr lang="en-US" smtClean="0"/>
               <a:pPr/>
-              <a:t>10/5/2019</a:t>
+              <a:t>10/13/2019</a:t>
             </a:fld>
             <a:endParaRPr lang="en-US"/>
           </a:p>
@@ -2233,7 +2249,7 @@
             <a:fld id="{60E4E40C-4DE3-43D1-94F4-B6FCDADA3F6F}" type="datetimeFigureOut">
               <a:rPr lang="en-US" smtClean="0"/>
               <a:pPr/>
-              <a:t>10/5/2019</a:t>
+              <a:t>10/13/2019</a:t>
             </a:fld>
             <a:endParaRPr lang="en-US"/>
           </a:p>
@@ -2487,7 +2503,7 @@
             <a:fld id="{60E4E40C-4DE3-43D1-94F4-B6FCDADA3F6F}" type="datetimeFigureOut">
               <a:rPr lang="en-US" smtClean="0"/>
               <a:pPr/>
-              <a:t>10/5/2019</a:t>
+              <a:t>10/13/2019</a:t>
             </a:fld>
             <a:endParaRPr lang="en-US"/>
           </a:p>
@@ -2702,7 +2718,7 @@
             <a:fld id="{60E4E40C-4DE3-43D1-94F4-B6FCDADA3F6F}" type="datetimeFigureOut">
               <a:rPr lang="en-US" smtClean="0"/>
               <a:pPr/>
-              <a:t>10/5/2019</a:t>
+              <a:t>10/13/2019</a:t>
             </a:fld>
             <a:endParaRPr lang="en-US"/>
           </a:p>
@@ -4182,6 +4198,13 @@
   <p:clrMapOvr>
     <a:masterClrMapping/>
   </p:clrMapOvr>
+  <p:timing>
+    <p:tnLst>
+      <p:par>
+        <p:cTn id="1" dur="indefinite" restart="never" nodeType="tmRoot"/>
+      </p:par>
+    </p:tnLst>
+  </p:timing>
 </p:sld>
 </file>
 
@@ -4326,17 +4349,27 @@
                 <a:latin typeface="微軟正黑體" pitchFamily="34" charset="-120"/>
                 <a:ea typeface="微軟正黑體" pitchFamily="34" charset="-120"/>
               </a:rPr>
-              <a:t>多少犧牲亦無言地納</a:t>
-            </a:r>
-            <a:r>
-              <a:rPr lang="zh-CN" altLang="en-US" sz="4800" b="1" dirty="0">
+              <a:t>多少犧牲亦無言地</a:t>
+            </a:r>
+            <a:r>
+              <a:rPr lang="zh-TW" altLang="en-US" sz="4800" b="1" dirty="0" smtClean="0">
                 <a:solidFill>
                   <a:srgbClr val="C00000"/>
                 </a:solidFill>
                 <a:latin typeface="微軟正黑體" pitchFamily="34" charset="-120"/>
                 <a:ea typeface="微軟正黑體" pitchFamily="34" charset="-120"/>
               </a:rPr>
-              <a:t>送</a:t>
+              <a:t>納</a:t>
+            </a:r>
+            <a:r>
+              <a:rPr lang="zh-CN" altLang="en-US" sz="4800" b="1" smtClean="0">
+                <a:solidFill>
+                  <a:srgbClr val="C00000"/>
+                </a:solidFill>
+                <a:latin typeface="微軟正黑體" pitchFamily="34" charset="-120"/>
+                <a:ea typeface="微軟正黑體" pitchFamily="34" charset="-120"/>
+              </a:rPr>
+              <a:t>貢</a:t>
             </a:r>
             <a:endParaRPr lang="zh-TW" altLang="en-US" sz="4800" b="1" dirty="0">
               <a:solidFill>
@@ -4358,6 +4391,13 @@
   <p:clrMapOvr>
     <a:masterClrMapping/>
   </p:clrMapOvr>
+  <p:timing>
+    <p:tnLst>
+      <p:par>
+        <p:cTn id="1" dur="indefinite" restart="never" nodeType="tmRoot"/>
+      </p:par>
+    </p:tnLst>
+  </p:timing>
 </p:sld>
 </file>
 
